--- a/VOLATUM.pptx
+++ b/VOLATUM.pptx
@@ -108,6 +108,11 @@
       </a:defRPr>
     </a:lvl9pPr>
   </p:defaultTextStyle>
+  <p:extLst>
+    <p:ext uri="{EFAFB233-063F-42B5-8137-9DF3F51BA10A}">
+      <p15:sldGuideLst xmlns:p15="http://schemas.microsoft.com/office/powerpoint/2012/main"/>
+    </p:ext>
+  </p:extLst>
 </p:presentation>
 </file>
 
@@ -6169,14 +6174,25 @@
             <p:ph type="subTitle" idx="1"/>
           </p:nvPr>
         </p:nvSpPr>
-        <p:spPr/>
-        <p:txBody>
-          <a:bodyPr/>
+        <p:spPr>
+          <a:xfrm>
+            <a:off x="4515377" y="3996266"/>
+            <a:ext cx="7268792" cy="2404533"/>
+          </a:xfrm>
+        </p:spPr>
+        <p:txBody>
+          <a:bodyPr>
+            <a:normAutofit/>
+          </a:bodyPr>
           <a:lstStyle/>
           <a:p>
             <a:r>
               <a:rPr lang="en-US" dirty="0" smtClean="0"/>
-              <a:t>For “Don’t Crash My Drone”</a:t>
+              <a:t>For </a:t>
+            </a:r>
+            <a:r>
+              <a:rPr lang="en-US" dirty="0" smtClean="0"/>
+              <a:t>“Don’t Crash My Drone”</a:t>
             </a:r>
           </a:p>
           <a:p>
@@ -6220,7 +6236,7 @@
         </p:blipFill>
         <p:spPr bwMode="auto">
           <a:xfrm>
-            <a:off x="3323778" y="499533"/>
+            <a:off x="3426810" y="114298"/>
             <a:ext cx="4191000" cy="4191001"/>
           </a:xfrm>
           <a:prstGeom prst="rect">
@@ -6238,6 +6254,57 @@
           </a:extLst>
         </p:spPr>
       </p:pic>
+      <p:sp>
+        <p:nvSpPr>
+          <p:cNvPr id="5" name="TextBox 4"/>
+          <p:cNvSpPr txBox="1"/>
+          <p:nvPr/>
+        </p:nvSpPr>
+        <p:spPr>
+          <a:xfrm flipH="1">
+            <a:off x="6140967" y="5187627"/>
+            <a:ext cx="5556591" cy="1323439"/>
+          </a:xfrm>
+          <a:prstGeom prst="rect">
+            <a:avLst/>
+          </a:prstGeom>
+        </p:spPr>
+        <p:style>
+          <a:lnRef idx="0">
+            <a:schemeClr val="accent1"/>
+          </a:lnRef>
+          <a:fillRef idx="3">
+            <a:schemeClr val="accent1"/>
+          </a:fillRef>
+          <a:effectRef idx="3">
+            <a:schemeClr val="accent1"/>
+          </a:effectRef>
+          <a:fontRef idx="minor">
+            <a:schemeClr val="lt1"/>
+          </a:fontRef>
+        </p:style>
+        <p:txBody>
+          <a:bodyPr wrap="square" rtlCol="0">
+            <a:spAutoFit/>
+          </a:bodyPr>
+          <a:lstStyle/>
+          <a:p>
+            <a:r>
+              <a:rPr lang="en-US" sz="2000" b="1" dirty="0">
+                <a:effectLst>
+                  <a:glow rad="101600">
+                    <a:schemeClr val="accent4">
+                      <a:lumMod val="75000"/>
+                      <a:alpha val="60000"/>
+                    </a:schemeClr>
+                  </a:glow>
+                </a:effectLst>
+              </a:rPr>
+              <a:t>It is our challenge to promote unique solutions while continuing to utilize high standards in our methods to develop an application to aid drone pilot</a:t>
+            </a:r>
+          </a:p>
+        </p:txBody>
+      </p:sp>
     </p:spTree>
     <p:extLst>
       <p:ext uri="{BB962C8B-B14F-4D97-AF65-F5344CB8AC3E}">
@@ -6376,6 +6443,36 @@
           </a:p>
         </p:txBody>
       </p:sp>
+      <p:pic>
+        <p:nvPicPr>
+          <p:cNvPr id="4" name="Picture 3"/>
+          <p:cNvPicPr>
+            <a:picLocks noChangeAspect="1"/>
+          </p:cNvPicPr>
+          <p:nvPr/>
+        </p:nvPicPr>
+        <p:blipFill>
+          <a:blip r:embed="rId2">
+            <a:extLst>
+              <a:ext uri="{28A0092B-C50C-407E-A947-70E740481C1C}">
+                <a14:useLocalDpi xmlns:a14="http://schemas.microsoft.com/office/drawing/2010/main" val="0"/>
+              </a:ext>
+            </a:extLst>
+          </a:blip>
+          <a:stretch>
+            <a:fillRect/>
+          </a:stretch>
+        </p:blipFill>
+        <p:spPr>
+          <a:xfrm>
+            <a:off x="6226399" y="2438399"/>
+            <a:ext cx="5715000" cy="3657600"/>
+          </a:xfrm>
+          <a:prstGeom prst="rect">
+            <a:avLst/>
+          </a:prstGeom>
+        </p:spPr>
+      </p:pic>
     </p:spTree>
     <p:extLst>
       <p:ext uri="{BB962C8B-B14F-4D97-AF65-F5344CB8AC3E}">
@@ -6510,7 +6607,7 @@
               <a:t>is extracted from </a:t>
             </a:r>
             <a:r>
-              <a:rPr lang="en-US" smtClean="0"/>
+              <a:rPr lang="en-US" dirty="0" err="1" smtClean="0"/>
               <a:t>OpenWeatherMap</a:t>
             </a:r>
             <a:r>
@@ -6526,6 +6623,36 @@
           </a:p>
         </p:txBody>
       </p:sp>
+      <p:pic>
+        <p:nvPicPr>
+          <p:cNvPr id="4" name="Picture 3"/>
+          <p:cNvPicPr>
+            <a:picLocks noChangeAspect="1"/>
+          </p:cNvPicPr>
+          <p:nvPr/>
+        </p:nvPicPr>
+        <p:blipFill>
+          <a:blip r:embed="rId2">
+            <a:extLst>
+              <a:ext uri="{28A0092B-C50C-407E-A947-70E740481C1C}">
+                <a14:useLocalDpi xmlns:a14="http://schemas.microsoft.com/office/drawing/2010/main" val="0"/>
+              </a:ext>
+            </a:extLst>
+          </a:blip>
+          <a:stretch>
+            <a:fillRect/>
+          </a:stretch>
+        </p:blipFill>
+        <p:spPr>
+          <a:xfrm>
+            <a:off x="6020694" y="1995523"/>
+            <a:ext cx="5714286" cy="3073016"/>
+          </a:xfrm>
+          <a:prstGeom prst="rect">
+            <a:avLst/>
+          </a:prstGeom>
+        </p:spPr>
+      </p:pic>
     </p:spTree>
     <p:extLst>
       <p:ext uri="{BB962C8B-B14F-4D97-AF65-F5344CB8AC3E}">
@@ -6639,6 +6766,45 @@
           </a:p>
         </p:txBody>
       </p:sp>
+      <p:pic>
+        <p:nvPicPr>
+          <p:cNvPr id="4" name="Picture 3"/>
+          <p:cNvPicPr>
+            <a:picLocks noChangeAspect="1"/>
+          </p:cNvPicPr>
+          <p:nvPr/>
+        </p:nvPicPr>
+        <p:blipFill>
+          <a:blip r:embed="rId2">
+            <a:extLst>
+              <a:ext uri="{BEBA8EAE-BF5A-486C-A8C5-ECC9F3942E4B}">
+                <a14:imgProps xmlns:a14="http://schemas.microsoft.com/office/drawing/2010/main">
+                  <a14:imgLayer r:embed="rId3">
+                    <a14:imgEffect>
+                      <a14:backgroundRemoval t="1163" b="97674" l="254" r="98223"/>
+                    </a14:imgEffect>
+                  </a14:imgLayer>
+                </a14:imgProps>
+              </a:ext>
+              <a:ext uri="{28A0092B-C50C-407E-A947-70E740481C1C}">
+                <a14:useLocalDpi xmlns:a14="http://schemas.microsoft.com/office/drawing/2010/main" val="0"/>
+              </a:ext>
+            </a:extLst>
+          </a:blip>
+          <a:stretch>
+            <a:fillRect/>
+          </a:stretch>
+        </p:blipFill>
+        <p:spPr>
+          <a:xfrm>
+            <a:off x="6363371" y="3835673"/>
+            <a:ext cx="5003174" cy="2184127"/>
+          </a:xfrm>
+          <a:prstGeom prst="rect">
+            <a:avLst/>
+          </a:prstGeom>
+        </p:spPr>
+      </p:pic>
     </p:spTree>
     <p:extLst>
       <p:ext uri="{BB962C8B-B14F-4D97-AF65-F5344CB8AC3E}">
@@ -6732,6 +6898,36 @@
           </a:p>
         </p:txBody>
       </p:sp>
+      <p:pic>
+        <p:nvPicPr>
+          <p:cNvPr id="4" name="Picture 3"/>
+          <p:cNvPicPr>
+            <a:picLocks noChangeAspect="1"/>
+          </p:cNvPicPr>
+          <p:nvPr/>
+        </p:nvPicPr>
+        <p:blipFill>
+          <a:blip r:embed="rId2" cstate="print">
+            <a:extLst>
+              <a:ext uri="{28A0092B-C50C-407E-A947-70E740481C1C}">
+                <a14:useLocalDpi xmlns:a14="http://schemas.microsoft.com/office/drawing/2010/main" val="0"/>
+              </a:ext>
+            </a:extLst>
+          </a:blip>
+          <a:stretch>
+            <a:fillRect/>
+          </a:stretch>
+        </p:blipFill>
+        <p:spPr>
+          <a:xfrm>
+            <a:off x="8357084" y="1562099"/>
+            <a:ext cx="3353960" cy="4906851"/>
+          </a:xfrm>
+          <a:prstGeom prst="rect">
+            <a:avLst/>
+          </a:prstGeom>
+        </p:spPr>
+      </p:pic>
     </p:spTree>
     <p:extLst>
       <p:ext uri="{BB962C8B-B14F-4D97-AF65-F5344CB8AC3E}">

--- a/VOLATUM.pptx
+++ b/VOLATUM.pptx
@@ -6546,7 +6546,9 @@
         </p:nvSpPr>
         <p:spPr/>
         <p:txBody>
-          <a:bodyPr/>
+          <a:bodyPr>
+            <a:normAutofit lnSpcReduction="10000"/>
+          </a:bodyPr>
           <a:lstStyle/>
           <a:p>
             <a:r>
@@ -6593,6 +6595,17 @@
               <a:rPr lang="en-US" dirty="0" smtClean="0"/>
               <a:t>Humidity</a:t>
             </a:r>
+          </a:p>
+          <a:p>
+            <a:pPr lvl="1">
+              <a:buFont typeface="Wingdings" panose="05000000000000000000" pitchFamily="2" charset="2"/>
+              <a:buChar char="Ø"/>
+            </a:pPr>
+            <a:r>
+              <a:rPr lang="en-US" dirty="0" smtClean="0"/>
+              <a:t>Temperature</a:t>
+            </a:r>
+            <a:endParaRPr lang="en-US" dirty="0" smtClean="0"/>
           </a:p>
           <a:p>
             <a:pPr marL="0" indent="0">
@@ -6740,7 +6753,19 @@
             </a:pPr>
             <a:r>
               <a:rPr lang="en-US" dirty="0" smtClean="0"/>
-              <a:t>Elevation of the surface of earth, </a:t>
+              <a:t>Elevation of the surface of </a:t>
+            </a:r>
+            <a:r>
+              <a:rPr lang="en-US" dirty="0" smtClean="0"/>
+              <a:t>earth</a:t>
+            </a:r>
+            <a:r>
+              <a:rPr lang="en-US" dirty="0"/>
+              <a:t> </a:t>
+            </a:r>
+            <a:r>
+              <a:rPr lang="en-US" dirty="0" smtClean="0"/>
+              <a:t>within 5 miles of the drone </a:t>
             </a:r>
           </a:p>
           <a:p>
@@ -6749,8 +6774,9 @@
             </a:pPr>
             <a:r>
               <a:rPr lang="en-US" dirty="0" smtClean="0"/>
-              <a:t>depth locations on the ocean floor</a:t>
-            </a:r>
+              <a:t>location</a:t>
+            </a:r>
+            <a:endParaRPr lang="en-US" dirty="0" smtClean="0"/>
           </a:p>
           <a:p>
             <a:pPr marL="457200" lvl="1" indent="0">
